--- a/encabezado.pptx
+++ b/encabezado.pptx
@@ -2,12 +2,12 @@
 <file path=ppt/presentation.xml><?xml version="1.0" encoding="utf-8"?>
 <p:presentation xmlns:a="http://schemas.openxmlformats.org/drawingml/2006/main" xmlns:r="http://schemas.openxmlformats.org/officeDocument/2006/relationships" xmlns:p="http://schemas.openxmlformats.org/presentationml/2006/main" saveSubsetFonts="1">
   <p:sldMasterIdLst>
-    <p:sldMasterId id="2147483660" r:id="rId1"/>
+    <p:sldMasterId id="2147483708" r:id="rId1"/>
   </p:sldMasterIdLst>
   <p:sldIdLst>
     <p:sldId id="256" r:id="rId2"/>
   </p:sldIdLst>
-  <p:sldSz cx="10799763" cy="5400675"/>
+  <p:sldSz cx="15479713" cy="3600450"/>
   <p:notesSz cx="6858000" cy="9144000"/>
   <p:defaultTextStyle>
     <a:defPPr>
@@ -104,6 +104,11 @@
       </a:defRPr>
     </a:lvl9pPr>
   </p:defaultTextStyle>
+  <p:extLst>
+    <p:ext uri="{EFAFB233-063F-42B5-8137-9DF3F51BA10A}">
+      <p15:sldGuideLst xmlns:p15="http://schemas.microsoft.com/office/powerpoint/2012/main"/>
+    </p:ext>
+  </p:extLst>
 </p:presentation>
 </file>
 
@@ -136,15 +141,15 @@
         </p:nvSpPr>
         <p:spPr>
           <a:xfrm>
-            <a:off x="1349971" y="883861"/>
-            <a:ext cx="8099822" cy="1880235"/>
+            <a:off x="1934964" y="589241"/>
+            <a:ext cx="11609785" cy="1253490"/>
           </a:xfrm>
         </p:spPr>
         <p:txBody>
           <a:bodyPr anchor="b"/>
           <a:lstStyle>
             <a:lvl1pPr algn="ctr">
-              <a:defRPr sz="4725"/>
+              <a:defRPr sz="3150"/>
             </a:lvl1pPr>
           </a:lstStyle>
           <a:p>
@@ -168,8 +173,8 @@
         </p:nvSpPr>
         <p:spPr>
           <a:xfrm>
-            <a:off x="1349971" y="2836605"/>
-            <a:ext cx="8099822" cy="1303913"/>
+            <a:off x="1934964" y="1891070"/>
+            <a:ext cx="11609785" cy="869275"/>
           </a:xfrm>
         </p:spPr>
         <p:txBody>
@@ -177,39 +182,39 @@
           <a:lstStyle>
             <a:lvl1pPr marL="0" indent="0" algn="ctr">
               <a:buNone/>
-              <a:defRPr sz="1890"/>
+              <a:defRPr sz="1260"/>
             </a:lvl1pPr>
-            <a:lvl2pPr marL="360045" indent="0" algn="ctr">
-              <a:buNone/>
-              <a:defRPr sz="1575"/>
+            <a:lvl2pPr marL="240030" indent="0" algn="ctr">
+              <a:buNone/>
+              <a:defRPr sz="1050"/>
             </a:lvl2pPr>
-            <a:lvl3pPr marL="720090" indent="0" algn="ctr">
-              <a:buNone/>
-              <a:defRPr sz="1418"/>
+            <a:lvl3pPr marL="480060" indent="0" algn="ctr">
+              <a:buNone/>
+              <a:defRPr sz="945"/>
             </a:lvl3pPr>
-            <a:lvl4pPr marL="1080135" indent="0" algn="ctr">
-              <a:buNone/>
-              <a:defRPr sz="1260"/>
+            <a:lvl4pPr marL="720090" indent="0" algn="ctr">
+              <a:buNone/>
+              <a:defRPr sz="840"/>
             </a:lvl4pPr>
-            <a:lvl5pPr marL="1440180" indent="0" algn="ctr">
-              <a:buNone/>
-              <a:defRPr sz="1260"/>
+            <a:lvl5pPr marL="960120" indent="0" algn="ctr">
+              <a:buNone/>
+              <a:defRPr sz="840"/>
             </a:lvl5pPr>
-            <a:lvl6pPr marL="1800225" indent="0" algn="ctr">
-              <a:buNone/>
-              <a:defRPr sz="1260"/>
+            <a:lvl6pPr marL="1200150" indent="0" algn="ctr">
+              <a:buNone/>
+              <a:defRPr sz="840"/>
             </a:lvl6pPr>
-            <a:lvl7pPr marL="2160270" indent="0" algn="ctr">
-              <a:buNone/>
-              <a:defRPr sz="1260"/>
+            <a:lvl7pPr marL="1440180" indent="0" algn="ctr">
+              <a:buNone/>
+              <a:defRPr sz="840"/>
             </a:lvl7pPr>
-            <a:lvl8pPr marL="2520315" indent="0" algn="ctr">
-              <a:buNone/>
-              <a:defRPr sz="1260"/>
+            <a:lvl8pPr marL="1680210" indent="0" algn="ctr">
+              <a:buNone/>
+              <a:defRPr sz="840"/>
             </a:lvl8pPr>
-            <a:lvl9pPr marL="2880360" indent="0" algn="ctr">
-              <a:buNone/>
-              <a:defRPr sz="1260"/>
+            <a:lvl9pPr marL="1920240" indent="0" algn="ctr">
+              <a:buNone/>
+              <a:defRPr sz="840"/>
             </a:lvl9pPr>
           </a:lstStyle>
           <a:p>
@@ -238,7 +243,7 @@
           <a:p>
             <a:fld id="{C59950C9-93BE-4D22-A1E4-5614B16E5B67}" type="datetimeFigureOut">
               <a:rPr lang="es-MX" smtClean="0"/>
-              <a:t>15/10/2021</a:t>
+              <a:t>19/10/2021</a:t>
             </a:fld>
             <a:endParaRPr lang="es-MX"/>
           </a:p>
@@ -289,7 +294,7 @@
     </p:spTree>
     <p:extLst>
       <p:ext uri="{BB962C8B-B14F-4D97-AF65-F5344CB8AC3E}">
-        <p14:creationId xmlns:p14="http://schemas.microsoft.com/office/powerpoint/2010/main" val="2545079801"/>
+        <p14:creationId xmlns:p14="http://schemas.microsoft.com/office/powerpoint/2010/main" val="1686532753"/>
       </p:ext>
     </p:extLst>
   </p:cSld>
@@ -408,7 +413,7 @@
           <a:p>
             <a:fld id="{C59950C9-93BE-4D22-A1E4-5614B16E5B67}" type="datetimeFigureOut">
               <a:rPr lang="es-MX" smtClean="0"/>
-              <a:t>15/10/2021</a:t>
+              <a:t>19/10/2021</a:t>
             </a:fld>
             <a:endParaRPr lang="es-MX"/>
           </a:p>
@@ -459,7 +464,7 @@
     </p:spTree>
     <p:extLst>
       <p:ext uri="{BB962C8B-B14F-4D97-AF65-F5344CB8AC3E}">
-        <p14:creationId xmlns:p14="http://schemas.microsoft.com/office/powerpoint/2010/main" val="128050993"/>
+        <p14:creationId xmlns:p14="http://schemas.microsoft.com/office/powerpoint/2010/main" val="2268869403"/>
       </p:ext>
     </p:extLst>
   </p:cSld>
@@ -498,8 +503,8 @@
         </p:nvSpPr>
         <p:spPr>
           <a:xfrm>
-            <a:off x="7728580" y="287536"/>
-            <a:ext cx="2328699" cy="4576822"/>
+            <a:off x="11077670" y="191691"/>
+            <a:ext cx="3337813" cy="3051215"/>
           </a:xfrm>
         </p:spPr>
         <p:txBody>
@@ -526,8 +531,8 @@
         </p:nvSpPr>
         <p:spPr>
           <a:xfrm>
-            <a:off x="742484" y="287536"/>
-            <a:ext cx="6851100" cy="4576822"/>
+            <a:off x="1064230" y="191691"/>
+            <a:ext cx="9819943" cy="3051215"/>
           </a:xfrm>
         </p:spPr>
         <p:txBody>
@@ -588,7 +593,7 @@
           <a:p>
             <a:fld id="{C59950C9-93BE-4D22-A1E4-5614B16E5B67}" type="datetimeFigureOut">
               <a:rPr lang="es-MX" smtClean="0"/>
-              <a:t>15/10/2021</a:t>
+              <a:t>19/10/2021</a:t>
             </a:fld>
             <a:endParaRPr lang="es-MX"/>
           </a:p>
@@ -639,7 +644,7 @@
     </p:spTree>
     <p:extLst>
       <p:ext uri="{BB962C8B-B14F-4D97-AF65-F5344CB8AC3E}">
-        <p14:creationId xmlns:p14="http://schemas.microsoft.com/office/powerpoint/2010/main" val="511999639"/>
+        <p14:creationId xmlns:p14="http://schemas.microsoft.com/office/powerpoint/2010/main" val="3950196164"/>
       </p:ext>
     </p:extLst>
   </p:cSld>
@@ -758,7 +763,7 @@
           <a:p>
             <a:fld id="{C59950C9-93BE-4D22-A1E4-5614B16E5B67}" type="datetimeFigureOut">
               <a:rPr lang="es-MX" smtClean="0"/>
-              <a:t>15/10/2021</a:t>
+              <a:t>19/10/2021</a:t>
             </a:fld>
             <a:endParaRPr lang="es-MX"/>
           </a:p>
@@ -809,7 +814,7 @@
     </p:spTree>
     <p:extLst>
       <p:ext uri="{BB962C8B-B14F-4D97-AF65-F5344CB8AC3E}">
-        <p14:creationId xmlns:p14="http://schemas.microsoft.com/office/powerpoint/2010/main" val="3399053372"/>
+        <p14:creationId xmlns:p14="http://schemas.microsoft.com/office/powerpoint/2010/main" val="2183835524"/>
       </p:ext>
     </p:extLst>
   </p:cSld>
@@ -848,15 +853,15 @@
         </p:nvSpPr>
         <p:spPr>
           <a:xfrm>
-            <a:off x="736859" y="1346419"/>
-            <a:ext cx="9314796" cy="2246530"/>
+            <a:off x="1056168" y="897613"/>
+            <a:ext cx="13351252" cy="1497687"/>
           </a:xfrm>
         </p:spPr>
         <p:txBody>
           <a:bodyPr anchor="b"/>
           <a:lstStyle>
             <a:lvl1pPr>
-              <a:defRPr sz="4725"/>
+              <a:defRPr sz="3150"/>
             </a:lvl1pPr>
           </a:lstStyle>
           <a:p>
@@ -880,8 +885,8 @@
         </p:nvSpPr>
         <p:spPr>
           <a:xfrm>
-            <a:off x="736859" y="3614203"/>
-            <a:ext cx="9314796" cy="1181397"/>
+            <a:off x="1056168" y="2409468"/>
+            <a:ext cx="13351252" cy="787598"/>
           </a:xfrm>
         </p:spPr>
         <p:txBody>
@@ -889,7 +894,7 @@
           <a:lstStyle>
             <a:lvl1pPr marL="0" indent="0">
               <a:buNone/>
-              <a:defRPr sz="1890">
+              <a:defRPr sz="1260">
                 <a:solidFill>
                   <a:schemeClr val="tx1">
                     <a:tint val="75000"/>
@@ -897,9 +902,9 @@
                 </a:solidFill>
               </a:defRPr>
             </a:lvl1pPr>
-            <a:lvl2pPr marL="360045" indent="0">
-              <a:buNone/>
-              <a:defRPr sz="1575">
+            <a:lvl2pPr marL="240030" indent="0">
+              <a:buNone/>
+              <a:defRPr sz="1050">
                 <a:solidFill>
                   <a:schemeClr val="tx1">
                     <a:tint val="75000"/>
@@ -907,9 +912,9 @@
                 </a:solidFill>
               </a:defRPr>
             </a:lvl2pPr>
-            <a:lvl3pPr marL="720090" indent="0">
-              <a:buNone/>
-              <a:defRPr sz="1418">
+            <a:lvl3pPr marL="480060" indent="0">
+              <a:buNone/>
+              <a:defRPr sz="945">
                 <a:solidFill>
                   <a:schemeClr val="tx1">
                     <a:tint val="75000"/>
@@ -917,9 +922,9 @@
                 </a:solidFill>
               </a:defRPr>
             </a:lvl3pPr>
-            <a:lvl4pPr marL="1080135" indent="0">
-              <a:buNone/>
-              <a:defRPr sz="1260">
+            <a:lvl4pPr marL="720090" indent="0">
+              <a:buNone/>
+              <a:defRPr sz="840">
                 <a:solidFill>
                   <a:schemeClr val="tx1">
                     <a:tint val="75000"/>
@@ -927,9 +932,9 @@
                 </a:solidFill>
               </a:defRPr>
             </a:lvl4pPr>
-            <a:lvl5pPr marL="1440180" indent="0">
-              <a:buNone/>
-              <a:defRPr sz="1260">
+            <a:lvl5pPr marL="960120" indent="0">
+              <a:buNone/>
+              <a:defRPr sz="840">
                 <a:solidFill>
                   <a:schemeClr val="tx1">
                     <a:tint val="75000"/>
@@ -937,9 +942,9 @@
                 </a:solidFill>
               </a:defRPr>
             </a:lvl5pPr>
-            <a:lvl6pPr marL="1800225" indent="0">
-              <a:buNone/>
-              <a:defRPr sz="1260">
+            <a:lvl6pPr marL="1200150" indent="0">
+              <a:buNone/>
+              <a:defRPr sz="840">
                 <a:solidFill>
                   <a:schemeClr val="tx1">
                     <a:tint val="75000"/>
@@ -947,9 +952,9 @@
                 </a:solidFill>
               </a:defRPr>
             </a:lvl6pPr>
-            <a:lvl7pPr marL="2160270" indent="0">
-              <a:buNone/>
-              <a:defRPr sz="1260">
+            <a:lvl7pPr marL="1440180" indent="0">
+              <a:buNone/>
+              <a:defRPr sz="840">
                 <a:solidFill>
                   <a:schemeClr val="tx1">
                     <a:tint val="75000"/>
@@ -957,9 +962,9 @@
                 </a:solidFill>
               </a:defRPr>
             </a:lvl7pPr>
-            <a:lvl8pPr marL="2520315" indent="0">
-              <a:buNone/>
-              <a:defRPr sz="1260">
+            <a:lvl8pPr marL="1680210" indent="0">
+              <a:buNone/>
+              <a:defRPr sz="840">
                 <a:solidFill>
                   <a:schemeClr val="tx1">
                     <a:tint val="75000"/>
@@ -967,9 +972,9 @@
                 </a:solidFill>
               </a:defRPr>
             </a:lvl8pPr>
-            <a:lvl9pPr marL="2880360" indent="0">
-              <a:buNone/>
-              <a:defRPr sz="1260">
+            <a:lvl9pPr marL="1920240" indent="0">
+              <a:buNone/>
+              <a:defRPr sz="840">
                 <a:solidFill>
                   <a:schemeClr val="tx1">
                     <a:tint val="75000"/>
@@ -1004,7 +1009,7 @@
           <a:p>
             <a:fld id="{C59950C9-93BE-4D22-A1E4-5614B16E5B67}" type="datetimeFigureOut">
               <a:rPr lang="es-MX" smtClean="0"/>
-              <a:t>15/10/2021</a:t>
+              <a:t>19/10/2021</a:t>
             </a:fld>
             <a:endParaRPr lang="es-MX"/>
           </a:p>
@@ -1055,7 +1060,7 @@
     </p:spTree>
     <p:extLst>
       <p:ext uri="{BB962C8B-B14F-4D97-AF65-F5344CB8AC3E}">
-        <p14:creationId xmlns:p14="http://schemas.microsoft.com/office/powerpoint/2010/main" val="3243338319"/>
+        <p14:creationId xmlns:p14="http://schemas.microsoft.com/office/powerpoint/2010/main" val="3598817983"/>
       </p:ext>
     </p:extLst>
   </p:cSld>
@@ -1117,8 +1122,8 @@
         </p:nvSpPr>
         <p:spPr>
           <a:xfrm>
-            <a:off x="742484" y="1437680"/>
-            <a:ext cx="4589899" cy="3426679"/>
+            <a:off x="1064230" y="958453"/>
+            <a:ext cx="6578878" cy="2284452"/>
           </a:xfrm>
         </p:spPr>
         <p:txBody>
@@ -1174,8 +1179,8 @@
         </p:nvSpPr>
         <p:spPr>
           <a:xfrm>
-            <a:off x="5467380" y="1437680"/>
-            <a:ext cx="4589899" cy="3426679"/>
+            <a:off x="7836605" y="958453"/>
+            <a:ext cx="6578878" cy="2284452"/>
           </a:xfrm>
         </p:spPr>
         <p:txBody>
@@ -1236,7 +1241,7 @@
           <a:p>
             <a:fld id="{C59950C9-93BE-4D22-A1E4-5614B16E5B67}" type="datetimeFigureOut">
               <a:rPr lang="es-MX" smtClean="0"/>
-              <a:t>15/10/2021</a:t>
+              <a:t>19/10/2021</a:t>
             </a:fld>
             <a:endParaRPr lang="es-MX"/>
           </a:p>
@@ -1287,7 +1292,7 @@
     </p:spTree>
     <p:extLst>
       <p:ext uri="{BB962C8B-B14F-4D97-AF65-F5344CB8AC3E}">
-        <p14:creationId xmlns:p14="http://schemas.microsoft.com/office/powerpoint/2010/main" val="1565234526"/>
+        <p14:creationId xmlns:p14="http://schemas.microsoft.com/office/powerpoint/2010/main" val="1184294307"/>
       </p:ext>
     </p:extLst>
   </p:cSld>
@@ -1326,8 +1331,8 @@
         </p:nvSpPr>
         <p:spPr>
           <a:xfrm>
-            <a:off x="743890" y="287536"/>
-            <a:ext cx="9314796" cy="1043881"/>
+            <a:off x="1066247" y="191691"/>
+            <a:ext cx="13351252" cy="695921"/>
           </a:xfrm>
         </p:spPr>
         <p:txBody>
@@ -1354,8 +1359,8 @@
         </p:nvSpPr>
         <p:spPr>
           <a:xfrm>
-            <a:off x="743891" y="1323916"/>
-            <a:ext cx="4568806" cy="648831"/>
+            <a:off x="1066247" y="882610"/>
+            <a:ext cx="6548644" cy="432554"/>
           </a:xfrm>
         </p:spPr>
         <p:txBody>
@@ -1363,39 +1368,39 @@
           <a:lstStyle>
             <a:lvl1pPr marL="0" indent="0">
               <a:buNone/>
-              <a:defRPr sz="1890" b="1"/>
+              <a:defRPr sz="1260" b="1"/>
             </a:lvl1pPr>
-            <a:lvl2pPr marL="360045" indent="0">
-              <a:buNone/>
-              <a:defRPr sz="1575" b="1"/>
+            <a:lvl2pPr marL="240030" indent="0">
+              <a:buNone/>
+              <a:defRPr sz="1050" b="1"/>
             </a:lvl2pPr>
-            <a:lvl3pPr marL="720090" indent="0">
-              <a:buNone/>
-              <a:defRPr sz="1418" b="1"/>
+            <a:lvl3pPr marL="480060" indent="0">
+              <a:buNone/>
+              <a:defRPr sz="945" b="1"/>
             </a:lvl3pPr>
-            <a:lvl4pPr marL="1080135" indent="0">
-              <a:buNone/>
-              <a:defRPr sz="1260" b="1"/>
+            <a:lvl4pPr marL="720090" indent="0">
+              <a:buNone/>
+              <a:defRPr sz="840" b="1"/>
             </a:lvl4pPr>
-            <a:lvl5pPr marL="1440180" indent="0">
-              <a:buNone/>
-              <a:defRPr sz="1260" b="1"/>
+            <a:lvl5pPr marL="960120" indent="0">
+              <a:buNone/>
+              <a:defRPr sz="840" b="1"/>
             </a:lvl5pPr>
-            <a:lvl6pPr marL="1800225" indent="0">
-              <a:buNone/>
-              <a:defRPr sz="1260" b="1"/>
+            <a:lvl6pPr marL="1200150" indent="0">
+              <a:buNone/>
+              <a:defRPr sz="840" b="1"/>
             </a:lvl6pPr>
-            <a:lvl7pPr marL="2160270" indent="0">
-              <a:buNone/>
-              <a:defRPr sz="1260" b="1"/>
+            <a:lvl7pPr marL="1440180" indent="0">
+              <a:buNone/>
+              <a:defRPr sz="840" b="1"/>
             </a:lvl7pPr>
-            <a:lvl8pPr marL="2520315" indent="0">
-              <a:buNone/>
-              <a:defRPr sz="1260" b="1"/>
+            <a:lvl8pPr marL="1680210" indent="0">
+              <a:buNone/>
+              <a:defRPr sz="840" b="1"/>
             </a:lvl8pPr>
-            <a:lvl9pPr marL="2880360" indent="0">
-              <a:buNone/>
-              <a:defRPr sz="1260" b="1"/>
+            <a:lvl9pPr marL="1920240" indent="0">
+              <a:buNone/>
+              <a:defRPr sz="840" b="1"/>
             </a:lvl9pPr>
           </a:lstStyle>
           <a:p>
@@ -1419,8 +1424,8 @@
         </p:nvSpPr>
         <p:spPr>
           <a:xfrm>
-            <a:off x="743891" y="1972747"/>
-            <a:ext cx="4568806" cy="2901613"/>
+            <a:off x="1066247" y="1315164"/>
+            <a:ext cx="6548644" cy="1934409"/>
           </a:xfrm>
         </p:spPr>
         <p:txBody>
@@ -1476,8 +1481,8 @@
         </p:nvSpPr>
         <p:spPr>
           <a:xfrm>
-            <a:off x="5467380" y="1323916"/>
-            <a:ext cx="4591306" cy="648831"/>
+            <a:off x="7836605" y="882610"/>
+            <a:ext cx="6580894" cy="432554"/>
           </a:xfrm>
         </p:spPr>
         <p:txBody>
@@ -1485,39 +1490,39 @@
           <a:lstStyle>
             <a:lvl1pPr marL="0" indent="0">
               <a:buNone/>
-              <a:defRPr sz="1890" b="1"/>
+              <a:defRPr sz="1260" b="1"/>
             </a:lvl1pPr>
-            <a:lvl2pPr marL="360045" indent="0">
-              <a:buNone/>
-              <a:defRPr sz="1575" b="1"/>
+            <a:lvl2pPr marL="240030" indent="0">
+              <a:buNone/>
+              <a:defRPr sz="1050" b="1"/>
             </a:lvl2pPr>
-            <a:lvl3pPr marL="720090" indent="0">
-              <a:buNone/>
-              <a:defRPr sz="1418" b="1"/>
+            <a:lvl3pPr marL="480060" indent="0">
+              <a:buNone/>
+              <a:defRPr sz="945" b="1"/>
             </a:lvl3pPr>
-            <a:lvl4pPr marL="1080135" indent="0">
-              <a:buNone/>
-              <a:defRPr sz="1260" b="1"/>
+            <a:lvl4pPr marL="720090" indent="0">
+              <a:buNone/>
+              <a:defRPr sz="840" b="1"/>
             </a:lvl4pPr>
-            <a:lvl5pPr marL="1440180" indent="0">
-              <a:buNone/>
-              <a:defRPr sz="1260" b="1"/>
+            <a:lvl5pPr marL="960120" indent="0">
+              <a:buNone/>
+              <a:defRPr sz="840" b="1"/>
             </a:lvl5pPr>
-            <a:lvl6pPr marL="1800225" indent="0">
-              <a:buNone/>
-              <a:defRPr sz="1260" b="1"/>
+            <a:lvl6pPr marL="1200150" indent="0">
+              <a:buNone/>
+              <a:defRPr sz="840" b="1"/>
             </a:lvl6pPr>
-            <a:lvl7pPr marL="2160270" indent="0">
-              <a:buNone/>
-              <a:defRPr sz="1260" b="1"/>
+            <a:lvl7pPr marL="1440180" indent="0">
+              <a:buNone/>
+              <a:defRPr sz="840" b="1"/>
             </a:lvl7pPr>
-            <a:lvl8pPr marL="2520315" indent="0">
-              <a:buNone/>
-              <a:defRPr sz="1260" b="1"/>
+            <a:lvl8pPr marL="1680210" indent="0">
+              <a:buNone/>
+              <a:defRPr sz="840" b="1"/>
             </a:lvl8pPr>
-            <a:lvl9pPr marL="2880360" indent="0">
-              <a:buNone/>
-              <a:defRPr sz="1260" b="1"/>
+            <a:lvl9pPr marL="1920240" indent="0">
+              <a:buNone/>
+              <a:defRPr sz="840" b="1"/>
             </a:lvl9pPr>
           </a:lstStyle>
           <a:p>
@@ -1541,8 +1546,8 @@
         </p:nvSpPr>
         <p:spPr>
           <a:xfrm>
-            <a:off x="5467380" y="1972747"/>
-            <a:ext cx="4591306" cy="2901613"/>
+            <a:off x="7836605" y="1315164"/>
+            <a:ext cx="6580894" cy="1934409"/>
           </a:xfrm>
         </p:spPr>
         <p:txBody>
@@ -1603,7 +1608,7 @@
           <a:p>
             <a:fld id="{C59950C9-93BE-4D22-A1E4-5614B16E5B67}" type="datetimeFigureOut">
               <a:rPr lang="es-MX" smtClean="0"/>
-              <a:t>15/10/2021</a:t>
+              <a:t>19/10/2021</a:t>
             </a:fld>
             <a:endParaRPr lang="es-MX"/>
           </a:p>
@@ -1654,7 +1659,7 @@
     </p:spTree>
     <p:extLst>
       <p:ext uri="{BB962C8B-B14F-4D97-AF65-F5344CB8AC3E}">
-        <p14:creationId xmlns:p14="http://schemas.microsoft.com/office/powerpoint/2010/main" val="548766597"/>
+        <p14:creationId xmlns:p14="http://schemas.microsoft.com/office/powerpoint/2010/main" val="3597085085"/>
       </p:ext>
     </p:extLst>
   </p:cSld>
@@ -1721,7 +1726,7 @@
           <a:p>
             <a:fld id="{C59950C9-93BE-4D22-A1E4-5614B16E5B67}" type="datetimeFigureOut">
               <a:rPr lang="es-MX" smtClean="0"/>
-              <a:t>15/10/2021</a:t>
+              <a:t>19/10/2021</a:t>
             </a:fld>
             <a:endParaRPr lang="es-MX"/>
           </a:p>
@@ -1772,7 +1777,7 @@
     </p:spTree>
     <p:extLst>
       <p:ext uri="{BB962C8B-B14F-4D97-AF65-F5344CB8AC3E}">
-        <p14:creationId xmlns:p14="http://schemas.microsoft.com/office/powerpoint/2010/main" val="2668884193"/>
+        <p14:creationId xmlns:p14="http://schemas.microsoft.com/office/powerpoint/2010/main" val="1841423534"/>
       </p:ext>
     </p:extLst>
   </p:cSld>
@@ -1816,7 +1821,7 @@
           <a:p>
             <a:fld id="{C59950C9-93BE-4D22-A1E4-5614B16E5B67}" type="datetimeFigureOut">
               <a:rPr lang="es-MX" smtClean="0"/>
-              <a:t>15/10/2021</a:t>
+              <a:t>19/10/2021</a:t>
             </a:fld>
             <a:endParaRPr lang="es-MX"/>
           </a:p>
@@ -1867,7 +1872,7 @@
     </p:spTree>
     <p:extLst>
       <p:ext uri="{BB962C8B-B14F-4D97-AF65-F5344CB8AC3E}">
-        <p14:creationId xmlns:p14="http://schemas.microsoft.com/office/powerpoint/2010/main" val="1551422249"/>
+        <p14:creationId xmlns:p14="http://schemas.microsoft.com/office/powerpoint/2010/main" val="521147789"/>
       </p:ext>
     </p:extLst>
   </p:cSld>
@@ -1906,15 +1911,15 @@
         </p:nvSpPr>
         <p:spPr>
           <a:xfrm>
-            <a:off x="743891" y="360045"/>
-            <a:ext cx="3483204" cy="1260158"/>
+            <a:off x="1066247" y="240030"/>
+            <a:ext cx="4992610" cy="840105"/>
           </a:xfrm>
         </p:spPr>
         <p:txBody>
           <a:bodyPr anchor="b"/>
           <a:lstStyle>
             <a:lvl1pPr>
-              <a:defRPr sz="2520"/>
+              <a:defRPr sz="1680"/>
             </a:lvl1pPr>
           </a:lstStyle>
           <a:p>
@@ -1938,39 +1943,39 @@
         </p:nvSpPr>
         <p:spPr>
           <a:xfrm>
-            <a:off x="4591306" y="777597"/>
-            <a:ext cx="5467380" cy="3837980"/>
+            <a:off x="6580894" y="518398"/>
+            <a:ext cx="7836605" cy="2558653"/>
           </a:xfrm>
         </p:spPr>
         <p:txBody>
           <a:bodyPr/>
           <a:lstStyle>
             <a:lvl1pPr>
-              <a:defRPr sz="2520"/>
+              <a:defRPr sz="1680"/>
             </a:lvl1pPr>
             <a:lvl2pPr>
-              <a:defRPr sz="2205"/>
+              <a:defRPr sz="1470"/>
             </a:lvl2pPr>
             <a:lvl3pPr>
-              <a:defRPr sz="1890"/>
+              <a:defRPr sz="1260"/>
             </a:lvl3pPr>
             <a:lvl4pPr>
-              <a:defRPr sz="1575"/>
+              <a:defRPr sz="1050"/>
             </a:lvl4pPr>
             <a:lvl5pPr>
-              <a:defRPr sz="1575"/>
+              <a:defRPr sz="1050"/>
             </a:lvl5pPr>
             <a:lvl6pPr>
-              <a:defRPr sz="1575"/>
+              <a:defRPr sz="1050"/>
             </a:lvl6pPr>
             <a:lvl7pPr>
-              <a:defRPr sz="1575"/>
+              <a:defRPr sz="1050"/>
             </a:lvl7pPr>
             <a:lvl8pPr>
-              <a:defRPr sz="1575"/>
+              <a:defRPr sz="1050"/>
             </a:lvl8pPr>
             <a:lvl9pPr>
-              <a:defRPr sz="1575"/>
+              <a:defRPr sz="1050"/>
             </a:lvl9pPr>
           </a:lstStyle>
           <a:p>
@@ -2023,8 +2028,8 @@
         </p:nvSpPr>
         <p:spPr>
           <a:xfrm>
-            <a:off x="743891" y="1620202"/>
-            <a:ext cx="3483204" cy="3001626"/>
+            <a:off x="1066247" y="1080135"/>
+            <a:ext cx="4992610" cy="2001084"/>
           </a:xfrm>
         </p:spPr>
         <p:txBody>
@@ -2032,39 +2037,39 @@
           <a:lstStyle>
             <a:lvl1pPr marL="0" indent="0">
               <a:buNone/>
-              <a:defRPr sz="1260"/>
+              <a:defRPr sz="840"/>
             </a:lvl1pPr>
-            <a:lvl2pPr marL="360045" indent="0">
-              <a:buNone/>
-              <a:defRPr sz="1103"/>
+            <a:lvl2pPr marL="240030" indent="0">
+              <a:buNone/>
+              <a:defRPr sz="735"/>
             </a:lvl2pPr>
-            <a:lvl3pPr marL="720090" indent="0">
-              <a:buNone/>
-              <a:defRPr sz="945"/>
+            <a:lvl3pPr marL="480060" indent="0">
+              <a:buNone/>
+              <a:defRPr sz="630"/>
             </a:lvl3pPr>
-            <a:lvl4pPr marL="1080135" indent="0">
-              <a:buNone/>
-              <a:defRPr sz="788"/>
+            <a:lvl4pPr marL="720090" indent="0">
+              <a:buNone/>
+              <a:defRPr sz="525"/>
             </a:lvl4pPr>
-            <a:lvl5pPr marL="1440180" indent="0">
-              <a:buNone/>
-              <a:defRPr sz="788"/>
+            <a:lvl5pPr marL="960120" indent="0">
+              <a:buNone/>
+              <a:defRPr sz="525"/>
             </a:lvl5pPr>
-            <a:lvl6pPr marL="1800225" indent="0">
-              <a:buNone/>
-              <a:defRPr sz="788"/>
+            <a:lvl6pPr marL="1200150" indent="0">
+              <a:buNone/>
+              <a:defRPr sz="525"/>
             </a:lvl6pPr>
-            <a:lvl7pPr marL="2160270" indent="0">
-              <a:buNone/>
-              <a:defRPr sz="788"/>
+            <a:lvl7pPr marL="1440180" indent="0">
+              <a:buNone/>
+              <a:defRPr sz="525"/>
             </a:lvl7pPr>
-            <a:lvl8pPr marL="2520315" indent="0">
-              <a:buNone/>
-              <a:defRPr sz="788"/>
+            <a:lvl8pPr marL="1680210" indent="0">
+              <a:buNone/>
+              <a:defRPr sz="525"/>
             </a:lvl8pPr>
-            <a:lvl9pPr marL="2880360" indent="0">
-              <a:buNone/>
-              <a:defRPr sz="788"/>
+            <a:lvl9pPr marL="1920240" indent="0">
+              <a:buNone/>
+              <a:defRPr sz="525"/>
             </a:lvl9pPr>
           </a:lstStyle>
           <a:p>
@@ -2093,7 +2098,7 @@
           <a:p>
             <a:fld id="{C59950C9-93BE-4D22-A1E4-5614B16E5B67}" type="datetimeFigureOut">
               <a:rPr lang="es-MX" smtClean="0"/>
-              <a:t>15/10/2021</a:t>
+              <a:t>19/10/2021</a:t>
             </a:fld>
             <a:endParaRPr lang="es-MX"/>
           </a:p>
@@ -2144,7 +2149,7 @@
     </p:spTree>
     <p:extLst>
       <p:ext uri="{BB962C8B-B14F-4D97-AF65-F5344CB8AC3E}">
-        <p14:creationId xmlns:p14="http://schemas.microsoft.com/office/powerpoint/2010/main" val="2390846084"/>
+        <p14:creationId xmlns:p14="http://schemas.microsoft.com/office/powerpoint/2010/main" val="3892622401"/>
       </p:ext>
     </p:extLst>
   </p:cSld>
@@ -2183,15 +2188,15 @@
         </p:nvSpPr>
         <p:spPr>
           <a:xfrm>
-            <a:off x="743891" y="360045"/>
-            <a:ext cx="3483204" cy="1260158"/>
+            <a:off x="1066247" y="240030"/>
+            <a:ext cx="4992610" cy="840105"/>
           </a:xfrm>
         </p:spPr>
         <p:txBody>
           <a:bodyPr anchor="b"/>
           <a:lstStyle>
             <a:lvl1pPr>
-              <a:defRPr sz="2520"/>
+              <a:defRPr sz="1680"/>
             </a:lvl1pPr>
           </a:lstStyle>
           <a:p>
@@ -2215,8 +2220,8 @@
         </p:nvSpPr>
         <p:spPr>
           <a:xfrm>
-            <a:off x="4591306" y="777597"/>
-            <a:ext cx="5467380" cy="3837980"/>
+            <a:off x="6580894" y="518398"/>
+            <a:ext cx="7836605" cy="2558653"/>
           </a:xfrm>
         </p:spPr>
         <p:txBody>
@@ -2224,39 +2229,39 @@
           <a:lstStyle>
             <a:lvl1pPr marL="0" indent="0">
               <a:buNone/>
-              <a:defRPr sz="2520"/>
+              <a:defRPr sz="1680"/>
             </a:lvl1pPr>
-            <a:lvl2pPr marL="360045" indent="0">
-              <a:buNone/>
-              <a:defRPr sz="2205"/>
+            <a:lvl2pPr marL="240030" indent="0">
+              <a:buNone/>
+              <a:defRPr sz="1470"/>
             </a:lvl2pPr>
-            <a:lvl3pPr marL="720090" indent="0">
-              <a:buNone/>
-              <a:defRPr sz="1890"/>
+            <a:lvl3pPr marL="480060" indent="0">
+              <a:buNone/>
+              <a:defRPr sz="1260"/>
             </a:lvl3pPr>
-            <a:lvl4pPr marL="1080135" indent="0">
-              <a:buNone/>
-              <a:defRPr sz="1575"/>
+            <a:lvl4pPr marL="720090" indent="0">
+              <a:buNone/>
+              <a:defRPr sz="1050"/>
             </a:lvl4pPr>
-            <a:lvl5pPr marL="1440180" indent="0">
-              <a:buNone/>
-              <a:defRPr sz="1575"/>
+            <a:lvl5pPr marL="960120" indent="0">
+              <a:buNone/>
+              <a:defRPr sz="1050"/>
             </a:lvl5pPr>
-            <a:lvl6pPr marL="1800225" indent="0">
-              <a:buNone/>
-              <a:defRPr sz="1575"/>
+            <a:lvl6pPr marL="1200150" indent="0">
+              <a:buNone/>
+              <a:defRPr sz="1050"/>
             </a:lvl6pPr>
-            <a:lvl7pPr marL="2160270" indent="0">
-              <a:buNone/>
-              <a:defRPr sz="1575"/>
+            <a:lvl7pPr marL="1440180" indent="0">
+              <a:buNone/>
+              <a:defRPr sz="1050"/>
             </a:lvl7pPr>
-            <a:lvl8pPr marL="2520315" indent="0">
-              <a:buNone/>
-              <a:defRPr sz="1575"/>
+            <a:lvl8pPr marL="1680210" indent="0">
+              <a:buNone/>
+              <a:defRPr sz="1050"/>
             </a:lvl8pPr>
-            <a:lvl9pPr marL="2880360" indent="0">
-              <a:buNone/>
-              <a:defRPr sz="1575"/>
+            <a:lvl9pPr marL="1920240" indent="0">
+              <a:buNone/>
+              <a:defRPr sz="1050"/>
             </a:lvl9pPr>
           </a:lstStyle>
           <a:p>
@@ -2280,8 +2285,8 @@
         </p:nvSpPr>
         <p:spPr>
           <a:xfrm>
-            <a:off x="743891" y="1620202"/>
-            <a:ext cx="3483204" cy="3001626"/>
+            <a:off x="1066247" y="1080135"/>
+            <a:ext cx="4992610" cy="2001084"/>
           </a:xfrm>
         </p:spPr>
         <p:txBody>
@@ -2289,39 +2294,39 @@
           <a:lstStyle>
             <a:lvl1pPr marL="0" indent="0">
               <a:buNone/>
-              <a:defRPr sz="1260"/>
+              <a:defRPr sz="840"/>
             </a:lvl1pPr>
-            <a:lvl2pPr marL="360045" indent="0">
-              <a:buNone/>
-              <a:defRPr sz="1103"/>
+            <a:lvl2pPr marL="240030" indent="0">
+              <a:buNone/>
+              <a:defRPr sz="735"/>
             </a:lvl2pPr>
-            <a:lvl3pPr marL="720090" indent="0">
-              <a:buNone/>
-              <a:defRPr sz="945"/>
+            <a:lvl3pPr marL="480060" indent="0">
+              <a:buNone/>
+              <a:defRPr sz="630"/>
             </a:lvl3pPr>
-            <a:lvl4pPr marL="1080135" indent="0">
-              <a:buNone/>
-              <a:defRPr sz="788"/>
+            <a:lvl4pPr marL="720090" indent="0">
+              <a:buNone/>
+              <a:defRPr sz="525"/>
             </a:lvl4pPr>
-            <a:lvl5pPr marL="1440180" indent="0">
-              <a:buNone/>
-              <a:defRPr sz="788"/>
+            <a:lvl5pPr marL="960120" indent="0">
+              <a:buNone/>
+              <a:defRPr sz="525"/>
             </a:lvl5pPr>
-            <a:lvl6pPr marL="1800225" indent="0">
-              <a:buNone/>
-              <a:defRPr sz="788"/>
+            <a:lvl6pPr marL="1200150" indent="0">
+              <a:buNone/>
+              <a:defRPr sz="525"/>
             </a:lvl6pPr>
-            <a:lvl7pPr marL="2160270" indent="0">
-              <a:buNone/>
-              <a:defRPr sz="788"/>
+            <a:lvl7pPr marL="1440180" indent="0">
+              <a:buNone/>
+              <a:defRPr sz="525"/>
             </a:lvl7pPr>
-            <a:lvl8pPr marL="2520315" indent="0">
-              <a:buNone/>
-              <a:defRPr sz="788"/>
+            <a:lvl8pPr marL="1680210" indent="0">
+              <a:buNone/>
+              <a:defRPr sz="525"/>
             </a:lvl8pPr>
-            <a:lvl9pPr marL="2880360" indent="0">
-              <a:buNone/>
-              <a:defRPr sz="788"/>
+            <a:lvl9pPr marL="1920240" indent="0">
+              <a:buNone/>
+              <a:defRPr sz="525"/>
             </a:lvl9pPr>
           </a:lstStyle>
           <a:p>
@@ -2350,7 +2355,7 @@
           <a:p>
             <a:fld id="{C59950C9-93BE-4D22-A1E4-5614B16E5B67}" type="datetimeFigureOut">
               <a:rPr lang="es-MX" smtClean="0"/>
-              <a:t>15/10/2021</a:t>
+              <a:t>19/10/2021</a:t>
             </a:fld>
             <a:endParaRPr lang="es-MX"/>
           </a:p>
@@ -2401,7 +2406,7 @@
     </p:spTree>
     <p:extLst>
       <p:ext uri="{BB962C8B-B14F-4D97-AF65-F5344CB8AC3E}">
-        <p14:creationId xmlns:p14="http://schemas.microsoft.com/office/powerpoint/2010/main" val="4168248807"/>
+        <p14:creationId xmlns:p14="http://schemas.microsoft.com/office/powerpoint/2010/main" val="1760204413"/>
       </p:ext>
     </p:extLst>
   </p:cSld>
@@ -2445,8 +2450,8 @@
         </p:nvSpPr>
         <p:spPr>
           <a:xfrm>
-            <a:off x="742484" y="287536"/>
-            <a:ext cx="9314796" cy="1043881"/>
+            <a:off x="1064231" y="191691"/>
+            <a:ext cx="13351252" cy="695921"/>
           </a:xfrm>
           <a:prstGeom prst="rect">
             <a:avLst/>
@@ -2478,8 +2483,8 @@
         </p:nvSpPr>
         <p:spPr>
           <a:xfrm>
-            <a:off x="742484" y="1437680"/>
-            <a:ext cx="9314796" cy="3426679"/>
+            <a:off x="1064231" y="958453"/>
+            <a:ext cx="13351252" cy="2284452"/>
           </a:xfrm>
           <a:prstGeom prst="rect">
             <a:avLst/>
@@ -2540,8 +2545,8 @@
         </p:nvSpPr>
         <p:spPr>
           <a:xfrm>
-            <a:off x="742484" y="5005626"/>
-            <a:ext cx="2429947" cy="287536"/>
+            <a:off x="1064230" y="3337084"/>
+            <a:ext cx="3482935" cy="191691"/>
           </a:xfrm>
           <a:prstGeom prst="rect">
             <a:avLst/>
@@ -2551,7 +2556,7 @@
           <a:bodyPr vert="horz" lIns="91440" tIns="45720" rIns="91440" bIns="45720" rtlCol="0" anchor="ctr"/>
           <a:lstStyle>
             <a:lvl1pPr algn="l">
-              <a:defRPr sz="945">
+              <a:defRPr sz="630">
                 <a:solidFill>
                   <a:schemeClr val="tx1">
                     <a:tint val="75000"/>
@@ -2563,7 +2568,7 @@
           <a:p>
             <a:fld id="{C59950C9-93BE-4D22-A1E4-5614B16E5B67}" type="datetimeFigureOut">
               <a:rPr lang="es-MX" smtClean="0"/>
-              <a:t>15/10/2021</a:t>
+              <a:t>19/10/2021</a:t>
             </a:fld>
             <a:endParaRPr lang="es-MX"/>
           </a:p>
@@ -2581,8 +2586,8 @@
         </p:nvSpPr>
         <p:spPr>
           <a:xfrm>
-            <a:off x="3577422" y="5005626"/>
-            <a:ext cx="3644920" cy="287536"/>
+            <a:off x="5127655" y="3337084"/>
+            <a:ext cx="5224403" cy="191691"/>
           </a:xfrm>
           <a:prstGeom prst="rect">
             <a:avLst/>
@@ -2592,7 +2597,7 @@
           <a:bodyPr vert="horz" lIns="91440" tIns="45720" rIns="91440" bIns="45720" rtlCol="0" anchor="ctr"/>
           <a:lstStyle>
             <a:lvl1pPr algn="ctr">
-              <a:defRPr sz="945">
+              <a:defRPr sz="630">
                 <a:solidFill>
                   <a:schemeClr val="tx1">
                     <a:tint val="75000"/>
@@ -2618,8 +2623,8 @@
         </p:nvSpPr>
         <p:spPr>
           <a:xfrm>
-            <a:off x="7627332" y="5005626"/>
-            <a:ext cx="2429947" cy="287536"/>
+            <a:off x="10932548" y="3337084"/>
+            <a:ext cx="3482935" cy="191691"/>
           </a:xfrm>
           <a:prstGeom prst="rect">
             <a:avLst/>
@@ -2629,7 +2634,7 @@
           <a:bodyPr vert="horz" lIns="91440" tIns="45720" rIns="91440" bIns="45720" rtlCol="0" anchor="ctr"/>
           <a:lstStyle>
             <a:lvl1pPr algn="r">
-              <a:defRPr sz="945">
+              <a:defRPr sz="630">
                 <a:solidFill>
                   <a:schemeClr val="tx1">
                     <a:tint val="75000"/>
@@ -2650,27 +2655,27 @@
     </p:spTree>
     <p:extLst>
       <p:ext uri="{BB962C8B-B14F-4D97-AF65-F5344CB8AC3E}">
-        <p14:creationId xmlns:p14="http://schemas.microsoft.com/office/powerpoint/2010/main" val="1266539806"/>
+        <p14:creationId xmlns:p14="http://schemas.microsoft.com/office/powerpoint/2010/main" val="1058374179"/>
       </p:ext>
     </p:extLst>
   </p:cSld>
   <p:clrMap bg1="lt1" tx1="dk1" bg2="lt2" tx2="dk2" accent1="accent1" accent2="accent2" accent3="accent3" accent4="accent4" accent5="accent5" accent6="accent6" hlink="hlink" folHlink="folHlink"/>
   <p:sldLayoutIdLst>
-    <p:sldLayoutId id="2147483661" r:id="rId1"/>
-    <p:sldLayoutId id="2147483662" r:id="rId2"/>
-    <p:sldLayoutId id="2147483663" r:id="rId3"/>
-    <p:sldLayoutId id="2147483664" r:id="rId4"/>
-    <p:sldLayoutId id="2147483665" r:id="rId5"/>
-    <p:sldLayoutId id="2147483666" r:id="rId6"/>
-    <p:sldLayoutId id="2147483667" r:id="rId7"/>
-    <p:sldLayoutId id="2147483668" r:id="rId8"/>
-    <p:sldLayoutId id="2147483669" r:id="rId9"/>
-    <p:sldLayoutId id="2147483670" r:id="rId10"/>
-    <p:sldLayoutId id="2147483671" r:id="rId11"/>
+    <p:sldLayoutId id="2147483709" r:id="rId1"/>
+    <p:sldLayoutId id="2147483710" r:id="rId2"/>
+    <p:sldLayoutId id="2147483711" r:id="rId3"/>
+    <p:sldLayoutId id="2147483712" r:id="rId4"/>
+    <p:sldLayoutId id="2147483713" r:id="rId5"/>
+    <p:sldLayoutId id="2147483714" r:id="rId6"/>
+    <p:sldLayoutId id="2147483715" r:id="rId7"/>
+    <p:sldLayoutId id="2147483716" r:id="rId8"/>
+    <p:sldLayoutId id="2147483717" r:id="rId9"/>
+    <p:sldLayoutId id="2147483718" r:id="rId10"/>
+    <p:sldLayoutId id="2147483719" r:id="rId11"/>
   </p:sldLayoutIdLst>
   <p:txStyles>
     <p:titleStyle>
-      <a:lvl1pPr algn="l" defTabSz="720090" rtl="0" eaLnBrk="1" latinLnBrk="0" hangingPunct="1">
+      <a:lvl1pPr algn="l" defTabSz="480060" rtl="0" eaLnBrk="1" latinLnBrk="0" hangingPunct="1">
         <a:lnSpc>
           <a:spcPct val="90000"/>
         </a:lnSpc>
@@ -2678,7 +2683,7 @@
           <a:spcPct val="0"/>
         </a:spcBef>
         <a:buNone/>
-        <a:defRPr sz="3465" kern="1200">
+        <a:defRPr sz="2310" kern="1200">
           <a:solidFill>
             <a:schemeClr val="tx1"/>
           </a:solidFill>
@@ -2689,16 +2694,16 @@
       </a:lvl1pPr>
     </p:titleStyle>
     <p:bodyStyle>
-      <a:lvl1pPr marL="180023" indent="-180023" algn="l" defTabSz="720090" rtl="0" eaLnBrk="1" latinLnBrk="0" hangingPunct="1">
+      <a:lvl1pPr marL="120015" indent="-120015" algn="l" defTabSz="480060" rtl="0" eaLnBrk="1" latinLnBrk="0" hangingPunct="1">
         <a:lnSpc>
           <a:spcPct val="90000"/>
         </a:lnSpc>
         <a:spcBef>
-          <a:spcPts val="788"/>
+          <a:spcPts val="525"/>
         </a:spcBef>
         <a:buFont typeface="Arial" panose="020B0604020202020204" pitchFamily="34" charset="0"/>
         <a:buChar char="•"/>
-        <a:defRPr sz="2205" kern="1200">
+        <a:defRPr sz="1470" kern="1200">
           <a:solidFill>
             <a:schemeClr val="tx1"/>
           </a:solidFill>
@@ -2707,16 +2712,16 @@
           <a:cs typeface="+mn-cs"/>
         </a:defRPr>
       </a:lvl1pPr>
-      <a:lvl2pPr marL="540068" indent="-180023" algn="l" defTabSz="720090" rtl="0" eaLnBrk="1" latinLnBrk="0" hangingPunct="1">
+      <a:lvl2pPr marL="360045" indent="-120015" algn="l" defTabSz="480060" rtl="0" eaLnBrk="1" latinLnBrk="0" hangingPunct="1">
         <a:lnSpc>
           <a:spcPct val="90000"/>
         </a:lnSpc>
         <a:spcBef>
-          <a:spcPts val="394"/>
+          <a:spcPts val="263"/>
         </a:spcBef>
         <a:buFont typeface="Arial" panose="020B0604020202020204" pitchFamily="34" charset="0"/>
         <a:buChar char="•"/>
-        <a:defRPr sz="1890" kern="1200">
+        <a:defRPr sz="1260" kern="1200">
           <a:solidFill>
             <a:schemeClr val="tx1"/>
           </a:solidFill>
@@ -2725,16 +2730,16 @@
           <a:cs typeface="+mn-cs"/>
         </a:defRPr>
       </a:lvl2pPr>
-      <a:lvl3pPr marL="900113" indent="-180023" algn="l" defTabSz="720090" rtl="0" eaLnBrk="1" latinLnBrk="0" hangingPunct="1">
+      <a:lvl3pPr marL="600075" indent="-120015" algn="l" defTabSz="480060" rtl="0" eaLnBrk="1" latinLnBrk="0" hangingPunct="1">
         <a:lnSpc>
           <a:spcPct val="90000"/>
         </a:lnSpc>
         <a:spcBef>
-          <a:spcPts val="394"/>
+          <a:spcPts val="263"/>
         </a:spcBef>
         <a:buFont typeface="Arial" panose="020B0604020202020204" pitchFamily="34" charset="0"/>
         <a:buChar char="•"/>
-        <a:defRPr sz="1575" kern="1200">
+        <a:defRPr sz="1050" kern="1200">
           <a:solidFill>
             <a:schemeClr val="tx1"/>
           </a:solidFill>
@@ -2743,16 +2748,16 @@
           <a:cs typeface="+mn-cs"/>
         </a:defRPr>
       </a:lvl3pPr>
-      <a:lvl4pPr marL="1260158" indent="-180023" algn="l" defTabSz="720090" rtl="0" eaLnBrk="1" latinLnBrk="0" hangingPunct="1">
+      <a:lvl4pPr marL="840105" indent="-120015" algn="l" defTabSz="480060" rtl="0" eaLnBrk="1" latinLnBrk="0" hangingPunct="1">
         <a:lnSpc>
           <a:spcPct val="90000"/>
         </a:lnSpc>
         <a:spcBef>
-          <a:spcPts val="394"/>
+          <a:spcPts val="263"/>
         </a:spcBef>
         <a:buFont typeface="Arial" panose="020B0604020202020204" pitchFamily="34" charset="0"/>
         <a:buChar char="•"/>
-        <a:defRPr sz="1418" kern="1200">
+        <a:defRPr sz="945" kern="1200">
           <a:solidFill>
             <a:schemeClr val="tx1"/>
           </a:solidFill>
@@ -2761,16 +2766,16 @@
           <a:cs typeface="+mn-cs"/>
         </a:defRPr>
       </a:lvl4pPr>
-      <a:lvl5pPr marL="1620203" indent="-180023" algn="l" defTabSz="720090" rtl="0" eaLnBrk="1" latinLnBrk="0" hangingPunct="1">
+      <a:lvl5pPr marL="1080135" indent="-120015" algn="l" defTabSz="480060" rtl="0" eaLnBrk="1" latinLnBrk="0" hangingPunct="1">
         <a:lnSpc>
           <a:spcPct val="90000"/>
         </a:lnSpc>
         <a:spcBef>
-          <a:spcPts val="394"/>
+          <a:spcPts val="263"/>
         </a:spcBef>
         <a:buFont typeface="Arial" panose="020B0604020202020204" pitchFamily="34" charset="0"/>
         <a:buChar char="•"/>
-        <a:defRPr sz="1418" kern="1200">
+        <a:defRPr sz="945" kern="1200">
           <a:solidFill>
             <a:schemeClr val="tx1"/>
           </a:solidFill>
@@ -2779,16 +2784,16 @@
           <a:cs typeface="+mn-cs"/>
         </a:defRPr>
       </a:lvl5pPr>
-      <a:lvl6pPr marL="1980248" indent="-180023" algn="l" defTabSz="720090" rtl="0" eaLnBrk="1" latinLnBrk="0" hangingPunct="1">
+      <a:lvl6pPr marL="1320165" indent="-120015" algn="l" defTabSz="480060" rtl="0" eaLnBrk="1" latinLnBrk="0" hangingPunct="1">
         <a:lnSpc>
           <a:spcPct val="90000"/>
         </a:lnSpc>
         <a:spcBef>
-          <a:spcPts val="394"/>
+          <a:spcPts val="263"/>
         </a:spcBef>
         <a:buFont typeface="Arial" panose="020B0604020202020204" pitchFamily="34" charset="0"/>
         <a:buChar char="•"/>
-        <a:defRPr sz="1418" kern="1200">
+        <a:defRPr sz="945" kern="1200">
           <a:solidFill>
             <a:schemeClr val="tx1"/>
           </a:solidFill>
@@ -2797,16 +2802,16 @@
           <a:cs typeface="+mn-cs"/>
         </a:defRPr>
       </a:lvl6pPr>
-      <a:lvl7pPr marL="2340293" indent="-180023" algn="l" defTabSz="720090" rtl="0" eaLnBrk="1" latinLnBrk="0" hangingPunct="1">
+      <a:lvl7pPr marL="1560195" indent="-120015" algn="l" defTabSz="480060" rtl="0" eaLnBrk="1" latinLnBrk="0" hangingPunct="1">
         <a:lnSpc>
           <a:spcPct val="90000"/>
         </a:lnSpc>
         <a:spcBef>
-          <a:spcPts val="394"/>
+          <a:spcPts val="263"/>
         </a:spcBef>
         <a:buFont typeface="Arial" panose="020B0604020202020204" pitchFamily="34" charset="0"/>
         <a:buChar char="•"/>
-        <a:defRPr sz="1418" kern="1200">
+        <a:defRPr sz="945" kern="1200">
           <a:solidFill>
             <a:schemeClr val="tx1"/>
           </a:solidFill>
@@ -2815,16 +2820,16 @@
           <a:cs typeface="+mn-cs"/>
         </a:defRPr>
       </a:lvl7pPr>
-      <a:lvl8pPr marL="2700338" indent="-180023" algn="l" defTabSz="720090" rtl="0" eaLnBrk="1" latinLnBrk="0" hangingPunct="1">
+      <a:lvl8pPr marL="1800225" indent="-120015" algn="l" defTabSz="480060" rtl="0" eaLnBrk="1" latinLnBrk="0" hangingPunct="1">
         <a:lnSpc>
           <a:spcPct val="90000"/>
         </a:lnSpc>
         <a:spcBef>
-          <a:spcPts val="394"/>
+          <a:spcPts val="263"/>
         </a:spcBef>
         <a:buFont typeface="Arial" panose="020B0604020202020204" pitchFamily="34" charset="0"/>
         <a:buChar char="•"/>
-        <a:defRPr sz="1418" kern="1200">
+        <a:defRPr sz="945" kern="1200">
           <a:solidFill>
             <a:schemeClr val="tx1"/>
           </a:solidFill>
@@ -2833,16 +2838,16 @@
           <a:cs typeface="+mn-cs"/>
         </a:defRPr>
       </a:lvl8pPr>
-      <a:lvl9pPr marL="3060383" indent="-180023" algn="l" defTabSz="720090" rtl="0" eaLnBrk="1" latinLnBrk="0" hangingPunct="1">
+      <a:lvl9pPr marL="2040255" indent="-120015" algn="l" defTabSz="480060" rtl="0" eaLnBrk="1" latinLnBrk="0" hangingPunct="1">
         <a:lnSpc>
           <a:spcPct val="90000"/>
         </a:lnSpc>
         <a:spcBef>
-          <a:spcPts val="394"/>
+          <a:spcPts val="263"/>
         </a:spcBef>
         <a:buFont typeface="Arial" panose="020B0604020202020204" pitchFamily="34" charset="0"/>
         <a:buChar char="•"/>
-        <a:defRPr sz="1418" kern="1200">
+        <a:defRPr sz="945" kern="1200">
           <a:solidFill>
             <a:schemeClr val="tx1"/>
           </a:solidFill>
@@ -2856,8 +2861,8 @@
       <a:defPPr>
         <a:defRPr lang="en-US"/>
       </a:defPPr>
-      <a:lvl1pPr marL="0" algn="l" defTabSz="720090" rtl="0" eaLnBrk="1" latinLnBrk="0" hangingPunct="1">
-        <a:defRPr sz="1418" kern="1200">
+      <a:lvl1pPr marL="0" algn="l" defTabSz="480060" rtl="0" eaLnBrk="1" latinLnBrk="0" hangingPunct="1">
+        <a:defRPr sz="945" kern="1200">
           <a:solidFill>
             <a:schemeClr val="tx1"/>
           </a:solidFill>
@@ -2866,8 +2871,8 @@
           <a:cs typeface="+mn-cs"/>
         </a:defRPr>
       </a:lvl1pPr>
-      <a:lvl2pPr marL="360045" algn="l" defTabSz="720090" rtl="0" eaLnBrk="1" latinLnBrk="0" hangingPunct="1">
-        <a:defRPr sz="1418" kern="1200">
+      <a:lvl2pPr marL="240030" algn="l" defTabSz="480060" rtl="0" eaLnBrk="1" latinLnBrk="0" hangingPunct="1">
+        <a:defRPr sz="945" kern="1200">
           <a:solidFill>
             <a:schemeClr val="tx1"/>
           </a:solidFill>
@@ -2876,8 +2881,8 @@
           <a:cs typeface="+mn-cs"/>
         </a:defRPr>
       </a:lvl2pPr>
-      <a:lvl3pPr marL="720090" algn="l" defTabSz="720090" rtl="0" eaLnBrk="1" latinLnBrk="0" hangingPunct="1">
-        <a:defRPr sz="1418" kern="1200">
+      <a:lvl3pPr marL="480060" algn="l" defTabSz="480060" rtl="0" eaLnBrk="1" latinLnBrk="0" hangingPunct="1">
+        <a:defRPr sz="945" kern="1200">
           <a:solidFill>
             <a:schemeClr val="tx1"/>
           </a:solidFill>
@@ -2886,8 +2891,8 @@
           <a:cs typeface="+mn-cs"/>
         </a:defRPr>
       </a:lvl3pPr>
-      <a:lvl4pPr marL="1080135" algn="l" defTabSz="720090" rtl="0" eaLnBrk="1" latinLnBrk="0" hangingPunct="1">
-        <a:defRPr sz="1418" kern="1200">
+      <a:lvl4pPr marL="720090" algn="l" defTabSz="480060" rtl="0" eaLnBrk="1" latinLnBrk="0" hangingPunct="1">
+        <a:defRPr sz="945" kern="1200">
           <a:solidFill>
             <a:schemeClr val="tx1"/>
           </a:solidFill>
@@ -2896,8 +2901,8 @@
           <a:cs typeface="+mn-cs"/>
         </a:defRPr>
       </a:lvl4pPr>
-      <a:lvl5pPr marL="1440180" algn="l" defTabSz="720090" rtl="0" eaLnBrk="1" latinLnBrk="0" hangingPunct="1">
-        <a:defRPr sz="1418" kern="1200">
+      <a:lvl5pPr marL="960120" algn="l" defTabSz="480060" rtl="0" eaLnBrk="1" latinLnBrk="0" hangingPunct="1">
+        <a:defRPr sz="945" kern="1200">
           <a:solidFill>
             <a:schemeClr val="tx1"/>
           </a:solidFill>
@@ -2906,8 +2911,8 @@
           <a:cs typeface="+mn-cs"/>
         </a:defRPr>
       </a:lvl5pPr>
-      <a:lvl6pPr marL="1800225" algn="l" defTabSz="720090" rtl="0" eaLnBrk="1" latinLnBrk="0" hangingPunct="1">
-        <a:defRPr sz="1418" kern="1200">
+      <a:lvl6pPr marL="1200150" algn="l" defTabSz="480060" rtl="0" eaLnBrk="1" latinLnBrk="0" hangingPunct="1">
+        <a:defRPr sz="945" kern="1200">
           <a:solidFill>
             <a:schemeClr val="tx1"/>
           </a:solidFill>
@@ -2916,8 +2921,8 @@
           <a:cs typeface="+mn-cs"/>
         </a:defRPr>
       </a:lvl6pPr>
-      <a:lvl7pPr marL="2160270" algn="l" defTabSz="720090" rtl="0" eaLnBrk="1" latinLnBrk="0" hangingPunct="1">
-        <a:defRPr sz="1418" kern="1200">
+      <a:lvl7pPr marL="1440180" algn="l" defTabSz="480060" rtl="0" eaLnBrk="1" latinLnBrk="0" hangingPunct="1">
+        <a:defRPr sz="945" kern="1200">
           <a:solidFill>
             <a:schemeClr val="tx1"/>
           </a:solidFill>
@@ -2926,8 +2931,8 @@
           <a:cs typeface="+mn-cs"/>
         </a:defRPr>
       </a:lvl7pPr>
-      <a:lvl8pPr marL="2520315" algn="l" defTabSz="720090" rtl="0" eaLnBrk="1" latinLnBrk="0" hangingPunct="1">
-        <a:defRPr sz="1418" kern="1200">
+      <a:lvl8pPr marL="1680210" algn="l" defTabSz="480060" rtl="0" eaLnBrk="1" latinLnBrk="0" hangingPunct="1">
+        <a:defRPr sz="945" kern="1200">
           <a:solidFill>
             <a:schemeClr val="tx1"/>
           </a:solidFill>
@@ -2936,8 +2941,8 @@
           <a:cs typeface="+mn-cs"/>
         </a:defRPr>
       </a:lvl8pPr>
-      <a:lvl9pPr marL="2880360" algn="l" defTabSz="720090" rtl="0" eaLnBrk="1" latinLnBrk="0" hangingPunct="1">
-        <a:defRPr sz="1418" kern="1200">
+      <a:lvl9pPr marL="1920240" algn="l" defTabSz="480060" rtl="0" eaLnBrk="1" latinLnBrk="0" hangingPunct="1">
+        <a:defRPr sz="945" kern="1200">
           <a:solidFill>
             <a:schemeClr val="tx1"/>
           </a:solidFill>
@@ -2992,8 +2997,8 @@
         </p:nvSpPr>
         <p:spPr>
           <a:xfrm>
-            <a:off x="259819" y="1692369"/>
-            <a:ext cx="10280124" cy="2015936"/>
+            <a:off x="4181844" y="870010"/>
+            <a:ext cx="7116026" cy="1631216"/>
           </a:xfrm>
           <a:prstGeom prst="rect">
             <a:avLst/>
@@ -3015,7 +3020,7 @@
           <a:p>
             <a:pPr algn="ctr"/>
             <a:r>
-              <a:rPr lang="es-MX" sz="12500" dirty="0">
+              <a:rPr lang="es-MX" sz="10000" dirty="0">
                 <a:solidFill>
                   <a:schemeClr val="bg1"/>
                 </a:solidFill>
@@ -3057,8 +3062,8 @@
         </p:blipFill>
         <p:spPr>
           <a:xfrm>
-            <a:off x="2423001" y="2407920"/>
-            <a:ext cx="1133000" cy="993457"/>
+            <a:off x="5330861" y="1396476"/>
+            <a:ext cx="920924" cy="807501"/>
           </a:xfrm>
           <a:prstGeom prst="rect">
             <a:avLst/>
@@ -3086,24 +3091,24 @@
         </p:nvSpPr>
         <p:spPr>
           <a:xfrm rot="3799635">
-            <a:off x="2667573" y="2745779"/>
-            <a:ext cx="579120" cy="440561"/>
+            <a:off x="5744374" y="1798199"/>
+            <a:ext cx="257396" cy="195812"/>
           </a:xfrm>
           <a:custGeom>
             <a:avLst/>
             <a:gdLst>
-              <a:gd name="connsiteX0" fmla="*/ 361146 w 579120"/>
-              <a:gd name="connsiteY0" fmla="*/ 6838 h 440561"/>
-              <a:gd name="connsiteX1" fmla="*/ 566134 w 579120"/>
-              <a:gd name="connsiteY1" fmla="*/ 155054 h 440561"/>
-              <a:gd name="connsiteX2" fmla="*/ 289560 w 579120"/>
-              <a:gd name="connsiteY2" fmla="*/ 220281 h 440561"/>
-              <a:gd name="connsiteX3" fmla="*/ 361146 w 579120"/>
-              <a:gd name="connsiteY3" fmla="*/ 6838 h 440561"/>
-              <a:gd name="connsiteX0" fmla="*/ 361146 w 579120"/>
-              <a:gd name="connsiteY0" fmla="*/ 6838 h 440561"/>
-              <a:gd name="connsiteX1" fmla="*/ 566134 w 579120"/>
-              <a:gd name="connsiteY1" fmla="*/ 155054 h 440561"/>
+              <a:gd name="connsiteX0" fmla="*/ 160515 w 257396"/>
+              <a:gd name="connsiteY0" fmla="*/ 3039 h 195812"/>
+              <a:gd name="connsiteX1" fmla="*/ 251624 w 257396"/>
+              <a:gd name="connsiteY1" fmla="*/ 68915 h 195812"/>
+              <a:gd name="connsiteX2" fmla="*/ 128698 w 257396"/>
+              <a:gd name="connsiteY2" fmla="*/ 97906 h 195812"/>
+              <a:gd name="connsiteX3" fmla="*/ 160515 w 257396"/>
+              <a:gd name="connsiteY3" fmla="*/ 3039 h 195812"/>
+              <a:gd name="connsiteX0" fmla="*/ 160515 w 257396"/>
+              <a:gd name="connsiteY0" fmla="*/ 3039 h 195812"/>
+              <a:gd name="connsiteX1" fmla="*/ 251624 w 257396"/>
+              <a:gd name="connsiteY1" fmla="*/ 68915 h 195812"/>
             </a:gdLst>
             <a:ahLst/>
             <a:cxnLst>
@@ -3116,45 +3121,35 @@
             </a:cxnLst>
             <a:rect l="l" t="t" r="r" b="b"/>
             <a:pathLst>
-              <a:path w="579120" h="440561" stroke="0" extrusionOk="0">
+              <a:path w="257396" h="195812" stroke="0" extrusionOk="0">
                 <a:moveTo>
-                  <a:pt x="361146" y="6838"/>
+                  <a:pt x="160515" y="3039"/>
                 </a:moveTo>
                 <a:cubicBezTo>
-                  <a:pt x="449911" y="22623"/>
-                  <a:pt x="540256" y="85491"/>
-                  <a:pt x="566134" y="155054"/>
+                  <a:pt x="203421" y="11293"/>
+                  <a:pt x="242454" y="40126"/>
+                  <a:pt x="251624" y="68915"/>
                 </a:cubicBezTo>
                 <a:cubicBezTo>
-                  <a:pt x="434111" y="173493"/>
-                  <a:pt x="336925" y="220954"/>
-                  <a:pt x="289560" y="220281"/>
+                  <a:pt x="210674" y="75630"/>
+                  <a:pt x="142126" y="88632"/>
+                  <a:pt x="128698" y="97906"/>
                 </a:cubicBezTo>
                 <a:cubicBezTo>
-                  <a:pt x="313502" y="135446"/>
-                  <a:pt x="344711" y="91104"/>
-                  <a:pt x="361146" y="6838"/>
+                  <a:pt x="141971" y="72587"/>
+                  <a:pt x="154914" y="16094"/>
+                  <a:pt x="160515" y="3039"/>
                 </a:cubicBezTo>
                 <a:close/>
               </a:path>
-              <a:path w="579120" h="440561" fill="none" extrusionOk="0">
+              <a:path w="257396" h="195812" fill="none" extrusionOk="0">
                 <a:moveTo>
-                  <a:pt x="361146" y="6838"/>
+                  <a:pt x="160515" y="3039"/>
                 </a:moveTo>
                 <a:cubicBezTo>
-                  <a:pt x="456965" y="18856"/>
-                  <a:pt x="545005" y="69656"/>
-                  <a:pt x="566134" y="155054"/>
-                </a:cubicBezTo>
-              </a:path>
-              <a:path w="579120" h="440561" fill="none" stroke="0" extrusionOk="0">
-                <a:moveTo>
-                  <a:pt x="361146" y="6838"/>
-                </a:moveTo>
-                <a:cubicBezTo>
-                  <a:pt x="459622" y="18949"/>
-                  <a:pt x="526790" y="72070"/>
-                  <a:pt x="566134" y="155054"/>
+                  <a:pt x="204636" y="5817"/>
+                  <a:pt x="235056" y="32979"/>
+                  <a:pt x="251624" y="68915"/>
                 </a:cubicBezTo>
               </a:path>
             </a:pathLst>
@@ -3200,7 +3195,7 @@
           <a:lstStyle/>
           <a:p>
             <a:pPr algn="ctr"/>
-            <a:endParaRPr lang="es-MX"/>
+            <a:endParaRPr lang="es-MX" sz="800"/>
           </a:p>
         </p:txBody>
       </p:sp>
